--- a/pre-made-ppt/youreworthyofmypraise.pptx
+++ b/pre-made-ppt/youreworthyofmypraise.pptx
@@ -299,7 +299,7 @@
           <a:p>
             <a:fld id="{5BCAD085-E8A6-8845-BD4E-CB4CCA059FC4}" type="datetimeFigureOut">
               <a:rPr lang="en-US" smtClean="0"/>
-              <a:t>10/12/2019</a:t>
+              <a:t>10/13/2019</a:t>
             </a:fld>
             <a:endParaRPr lang="en-US"/>
           </a:p>
@@ -469,7 +469,7 @@
           <a:p>
             <a:fld id="{5BCAD085-E8A6-8845-BD4E-CB4CCA059FC4}" type="datetimeFigureOut">
               <a:rPr lang="en-US" smtClean="0"/>
-              <a:t>10/12/2019</a:t>
+              <a:t>10/13/2019</a:t>
             </a:fld>
             <a:endParaRPr lang="en-US"/>
           </a:p>
@@ -649,7 +649,7 @@
           <a:p>
             <a:fld id="{5BCAD085-E8A6-8845-BD4E-CB4CCA059FC4}" type="datetimeFigureOut">
               <a:rPr lang="en-US" smtClean="0"/>
-              <a:t>10/12/2019</a:t>
+              <a:t>10/13/2019</a:t>
             </a:fld>
             <a:endParaRPr lang="en-US"/>
           </a:p>
@@ -898,7 +898,7 @@
                 </a:solidFill>
               </a:rPr>
               <a:pPr/>
-              <a:t>10/12/2019</a:t>
+              <a:t>10/13/2019</a:t>
             </a:fld>
             <a:endParaRPr lang="en-US">
               <a:solidFill>
@@ -1100,7 +1100,7 @@
                 </a:solidFill>
               </a:rPr>
               <a:pPr/>
-              <a:t>10/12/2019</a:t>
+              <a:t>10/13/2019</a:t>
             </a:fld>
             <a:endParaRPr lang="en-US">
               <a:solidFill>
@@ -1378,7 +1378,7 @@
                 </a:solidFill>
               </a:rPr>
               <a:pPr/>
-              <a:t>10/12/2019</a:t>
+              <a:t>10/13/2019</a:t>
             </a:fld>
             <a:endParaRPr lang="en-US">
               <a:solidFill>
@@ -1698,7 +1698,7 @@
                 </a:solidFill>
               </a:rPr>
               <a:pPr/>
-              <a:t>10/12/2019</a:t>
+              <a:t>10/13/2019</a:t>
             </a:fld>
             <a:endParaRPr lang="en-US">
               <a:solidFill>
@@ -2152,7 +2152,7 @@
                 </a:solidFill>
               </a:rPr>
               <a:pPr/>
-              <a:t>10/12/2019</a:t>
+              <a:t>10/13/2019</a:t>
             </a:fld>
             <a:endParaRPr lang="en-US">
               <a:solidFill>
@@ -2302,7 +2302,7 @@
                 </a:solidFill>
               </a:rPr>
               <a:pPr/>
-              <a:t>10/12/2019</a:t>
+              <a:t>10/13/2019</a:t>
             </a:fld>
             <a:endParaRPr lang="en-US">
               <a:solidFill>
@@ -2429,7 +2429,7 @@
                 </a:solidFill>
               </a:rPr>
               <a:pPr/>
-              <a:t>10/12/2019</a:t>
+              <a:t>10/13/2019</a:t>
             </a:fld>
             <a:endParaRPr lang="en-US">
               <a:solidFill>
@@ -2738,7 +2738,7 @@
                 </a:solidFill>
               </a:rPr>
               <a:pPr/>
-              <a:t>10/12/2019</a:t>
+              <a:t>10/13/2019</a:t>
             </a:fld>
             <a:endParaRPr lang="en-US">
               <a:solidFill>
@@ -2933,7 +2933,7 @@
           <a:p>
             <a:fld id="{5BCAD085-E8A6-8845-BD4E-CB4CCA059FC4}" type="datetimeFigureOut">
               <a:rPr lang="en-US" smtClean="0"/>
-              <a:t>10/12/2019</a:t>
+              <a:t>10/13/2019</a:t>
             </a:fld>
             <a:endParaRPr lang="en-US"/>
           </a:p>
@@ -3193,7 +3193,7 @@
                 </a:solidFill>
               </a:rPr>
               <a:pPr/>
-              <a:t>10/12/2019</a:t>
+              <a:t>10/13/2019</a:t>
             </a:fld>
             <a:endParaRPr lang="en-US">
               <a:solidFill>
@@ -3395,7 +3395,7 @@
                 </a:solidFill>
               </a:rPr>
               <a:pPr/>
-              <a:t>10/12/2019</a:t>
+              <a:t>10/13/2019</a:t>
             </a:fld>
             <a:endParaRPr lang="en-US">
               <a:solidFill>
@@ -3607,7 +3607,7 @@
                 </a:solidFill>
               </a:rPr>
               <a:pPr/>
-              <a:t>10/12/2019</a:t>
+              <a:t>10/13/2019</a:t>
             </a:fld>
             <a:endParaRPr lang="en-US">
               <a:solidFill>
@@ -3878,7 +3878,7 @@
           <a:p>
             <a:fld id="{5BCAD085-E8A6-8845-BD4E-CB4CCA059FC4}" type="datetimeFigureOut">
               <a:rPr lang="en-US" smtClean="0"/>
-              <a:t>10/12/2019</a:t>
+              <a:t>10/13/2019</a:t>
             </a:fld>
             <a:endParaRPr lang="en-US"/>
           </a:p>
@@ -4166,7 +4166,7 @@
           <a:p>
             <a:fld id="{5BCAD085-E8A6-8845-BD4E-CB4CCA059FC4}" type="datetimeFigureOut">
               <a:rPr lang="en-US" smtClean="0"/>
-              <a:t>10/12/2019</a:t>
+              <a:t>10/13/2019</a:t>
             </a:fld>
             <a:endParaRPr lang="en-US"/>
           </a:p>
@@ -4588,7 +4588,7 @@
           <a:p>
             <a:fld id="{5BCAD085-E8A6-8845-BD4E-CB4CCA059FC4}" type="datetimeFigureOut">
               <a:rPr lang="en-US" smtClean="0"/>
-              <a:t>10/12/2019</a:t>
+              <a:t>10/13/2019</a:t>
             </a:fld>
             <a:endParaRPr lang="en-US"/>
           </a:p>
@@ -4706,7 +4706,7 @@
           <a:p>
             <a:fld id="{5BCAD085-E8A6-8845-BD4E-CB4CCA059FC4}" type="datetimeFigureOut">
               <a:rPr lang="en-US" smtClean="0"/>
-              <a:t>10/12/2019</a:t>
+              <a:t>10/13/2019</a:t>
             </a:fld>
             <a:endParaRPr lang="en-US"/>
           </a:p>
@@ -4801,7 +4801,7 @@
           <a:p>
             <a:fld id="{5BCAD085-E8A6-8845-BD4E-CB4CCA059FC4}" type="datetimeFigureOut">
               <a:rPr lang="en-US" smtClean="0"/>
-              <a:t>10/12/2019</a:t>
+              <a:t>10/13/2019</a:t>
             </a:fld>
             <a:endParaRPr lang="en-US"/>
           </a:p>
@@ -5078,7 +5078,7 @@
           <a:p>
             <a:fld id="{5BCAD085-E8A6-8845-BD4E-CB4CCA059FC4}" type="datetimeFigureOut">
               <a:rPr lang="en-US" smtClean="0"/>
-              <a:t>10/12/2019</a:t>
+              <a:t>10/13/2019</a:t>
             </a:fld>
             <a:endParaRPr lang="en-US"/>
           </a:p>
@@ -5331,7 +5331,7 @@
           <a:p>
             <a:fld id="{5BCAD085-E8A6-8845-BD4E-CB4CCA059FC4}" type="datetimeFigureOut">
               <a:rPr lang="en-US" smtClean="0"/>
-              <a:t>10/12/2019</a:t>
+              <a:t>10/13/2019</a:t>
             </a:fld>
             <a:endParaRPr lang="en-US"/>
           </a:p>
@@ -5544,7 +5544,7 @@
           <a:p>
             <a:fld id="{5BCAD085-E8A6-8845-BD4E-CB4CCA059FC4}" type="datetimeFigureOut">
               <a:rPr lang="en-US" smtClean="0"/>
-              <a:t>10/12/2019</a:t>
+              <a:t>10/13/2019</a:t>
             </a:fld>
             <a:endParaRPr lang="en-US"/>
           </a:p>
@@ -6061,7 +6061,7 @@
                 </a:solidFill>
               </a:rPr>
               <a:pPr/>
-              <a:t>10/12/2019</a:t>
+              <a:t>10/13/2019</a:t>
             </a:fld>
             <a:endParaRPr lang="en-US">
               <a:solidFill>
@@ -8201,7 +8201,23 @@
                   <a:prstClr val="white"/>
                 </a:solidFill>
               </a:rPr>
-              <a:t>hail You ask King) </a:t>
+              <a:t>hail You </a:t>
+            </a:r>
+            <a:r>
+              <a:rPr sz="6400" b="1" dirty="0" smtClean="0">
+                <a:solidFill>
+                  <a:prstClr val="white"/>
+                </a:solidFill>
+              </a:rPr>
+              <a:t>as </a:t>
+            </a:r>
+            <a:r>
+              <a:rPr sz="6400" b="1" dirty="0">
+                <a:solidFill>
+                  <a:prstClr val="white"/>
+                </a:solidFill>
+              </a:rPr>
+              <a:t>King) </a:t>
             </a:r>
             <a:endParaRPr lang="en-US" sz="6400" b="1" dirty="0" smtClean="0">
               <a:solidFill>
